--- a/presentation.pptx
+++ b/presentation.pptx
@@ -5,21 +5,22 @@
     <p:sldMasterId id="2147483648" r:id="rId4"/>
   </p:sldMasterIdLst>
   <p:notesMasterIdLst>
-    <p:notesMasterId r:id="rId14"/>
+    <p:notesMasterId r:id="rId15"/>
   </p:notesMasterIdLst>
   <p:handoutMasterIdLst>
-    <p:handoutMasterId r:id="rId15"/>
+    <p:handoutMasterId r:id="rId16"/>
   </p:handoutMasterIdLst>
   <p:sldIdLst>
     <p:sldId id="256" r:id="rId5"/>
     <p:sldId id="3849" r:id="rId6"/>
     <p:sldId id="261" r:id="rId7"/>
-    <p:sldId id="3852" r:id="rId8"/>
-    <p:sldId id="3851" r:id="rId9"/>
-    <p:sldId id="3853" r:id="rId10"/>
-    <p:sldId id="3854" r:id="rId11"/>
-    <p:sldId id="265" r:id="rId12"/>
-    <p:sldId id="3847" r:id="rId13"/>
+    <p:sldId id="3855" r:id="rId8"/>
+    <p:sldId id="3852" r:id="rId9"/>
+    <p:sldId id="3851" r:id="rId10"/>
+    <p:sldId id="3853" r:id="rId11"/>
+    <p:sldId id="3854" r:id="rId12"/>
+    <p:sldId id="265" r:id="rId13"/>
+    <p:sldId id="3847" r:id="rId14"/>
   </p:sldIdLst>
   <p:sldSz cx="12192000" cy="6858000"/>
   <p:notesSz cx="6858000" cy="9144000"/>
@@ -229,7 +230,7 @@
           <a:p>
             <a:fld id="{0DC994AA-C437-4EF4-8BEF-0B832D7FA420}" type="datetimeFigureOut">
               <a:rPr lang="en-US" smtClean="0"/>
-              <a:t>2/9/2024</a:t>
+              <a:t>2/10/2024</a:t>
             </a:fld>
             <a:endParaRPr lang="en-US" dirty="0"/>
           </a:p>
@@ -406,7 +407,7 @@
           <a:p>
             <a:fld id="{FB20CE03-6C3A-EB4D-A9B1-7EFD38B58412}" type="datetimeFigureOut">
               <a:rPr lang="en-US" smtClean="0"/>
-              <a:t>2/9/2024</a:t>
+              <a:t>2/10/2024</a:t>
             </a:fld>
             <a:endParaRPr lang="en-US" dirty="0"/>
           </a:p>
@@ -990,7 +991,7 @@
           <a:p>
             <a:fld id="{8B57D50D-BAA9-464B-B391-243138E078D8}" type="slidenum">
               <a:rPr lang="en-US" smtClean="0"/>
-              <a:t>5</a:t>
+              <a:t>6</a:t>
             </a:fld>
             <a:endParaRPr lang="en-US" dirty="0"/>
           </a:p>
@@ -1098,7 +1099,7 @@
           <a:p>
             <a:fld id="{8B57D50D-BAA9-464B-B391-243138E078D8}" type="slidenum">
               <a:rPr lang="en-US" smtClean="0"/>
-              <a:t>6</a:t>
+              <a:t>7</a:t>
             </a:fld>
             <a:endParaRPr lang="en-US" dirty="0"/>
           </a:p>
@@ -1182,7 +1183,7 @@
           <a:p>
             <a:fld id="{8B57D50D-BAA9-464B-B391-243138E078D8}" type="slidenum">
               <a:rPr lang="en-US" smtClean="0"/>
-              <a:t>8</a:t>
+              <a:t>9</a:t>
             </a:fld>
             <a:endParaRPr lang="en-US" dirty="0"/>
           </a:p>
@@ -1266,7 +1267,7 @@
           <a:p>
             <a:fld id="{8B57D50D-BAA9-464B-B391-243138E078D8}" type="slidenum">
               <a:rPr lang="en-US" smtClean="0"/>
-              <a:t>9</a:t>
+              <a:t>10</a:t>
             </a:fld>
             <a:endParaRPr lang="en-US" dirty="0"/>
           </a:p>
@@ -2817,7 +2818,7 @@
           <a:p>
             <a:fld id="{D6D8061D-18C3-4F4F-85EF-561633F58754}" type="datetimeFigureOut">
               <a:rPr lang="en-US" smtClean="0"/>
-              <a:t>2/9/2024</a:t>
+              <a:t>2/10/2024</a:t>
             </a:fld>
             <a:endParaRPr lang="en-US" dirty="0"/>
           </a:p>
@@ -2960,7 +2961,7 @@
           <a:p>
             <a:fld id="{D6D8061D-18C3-4F4F-85EF-561633F58754}" type="datetimeFigureOut">
               <a:rPr lang="en-US" smtClean="0"/>
-              <a:t>2/9/2024</a:t>
+              <a:t>2/10/2024</a:t>
             </a:fld>
             <a:endParaRPr lang="en-US" dirty="0"/>
           </a:p>
@@ -4105,7 +4106,7 @@
           <a:p>
             <a:fld id="{D6D8061D-18C3-4F4F-85EF-561633F58754}" type="datetimeFigureOut">
               <a:rPr lang="en-US" smtClean="0"/>
-              <a:t>2/9/2024</a:t>
+              <a:t>2/10/2024</a:t>
             </a:fld>
             <a:endParaRPr lang="en-US" dirty="0"/>
           </a:p>
@@ -5428,7 +5429,7 @@
           <a:p>
             <a:fld id="{D6D8061D-18C3-4F4F-85EF-561633F58754}" type="datetimeFigureOut">
               <a:rPr lang="en-US" smtClean="0"/>
-              <a:t>2/9/2024</a:t>
+              <a:t>2/10/2024</a:t>
             </a:fld>
             <a:endParaRPr lang="en-US" dirty="0"/>
           </a:p>
@@ -6698,7 +6699,7 @@
           <a:p>
             <a:fld id="{D6D8061D-18C3-4F4F-85EF-561633F58754}" type="datetimeFigureOut">
               <a:rPr lang="en-US" smtClean="0"/>
-              <a:t>2/9/2024</a:t>
+              <a:t>2/10/2024</a:t>
             </a:fld>
             <a:endParaRPr lang="en-US" dirty="0"/>
           </a:p>
@@ -7763,7 +7764,7 @@
           <a:p>
             <a:fld id="{D6D8061D-18C3-4F4F-85EF-561633F58754}" type="datetimeFigureOut">
               <a:rPr lang="en-US" smtClean="0"/>
-              <a:t>2/9/2024</a:t>
+              <a:t>2/10/2024</a:t>
             </a:fld>
             <a:endParaRPr lang="en-US" dirty="0"/>
           </a:p>
@@ -8172,7 +8173,7 @@
           <a:p>
             <a:fld id="{D6D8061D-18C3-4F4F-85EF-561633F58754}" type="datetimeFigureOut">
               <a:rPr lang="en-US" smtClean="0"/>
-              <a:t>2/9/2024</a:t>
+              <a:t>2/10/2024</a:t>
             </a:fld>
             <a:endParaRPr lang="en-US" dirty="0"/>
           </a:p>
@@ -9143,7 +9144,7 @@
           <a:p>
             <a:fld id="{D6D8061D-18C3-4F4F-85EF-561633F58754}" type="datetimeFigureOut">
               <a:rPr lang="en-US" smtClean="0"/>
-              <a:t>2/9/2024</a:t>
+              <a:t>2/10/2024</a:t>
             </a:fld>
             <a:endParaRPr lang="en-US" dirty="0"/>
           </a:p>
@@ -9980,7 +9981,7 @@
           <a:p>
             <a:fld id="{D6D8061D-18C3-4F4F-85EF-561633F58754}" type="datetimeFigureOut">
               <a:rPr lang="en-US" smtClean="0"/>
-              <a:t>2/9/2024</a:t>
+              <a:t>2/10/2024</a:t>
             </a:fld>
             <a:endParaRPr lang="en-US" dirty="0"/>
           </a:p>
@@ -10221,7 +10222,7 @@
           <a:p>
             <a:fld id="{D6D8061D-18C3-4F4F-85EF-561633F58754}" type="datetimeFigureOut">
               <a:rPr lang="en-US" smtClean="0"/>
-              <a:t>2/9/2024</a:t>
+              <a:t>2/10/2024</a:t>
             </a:fld>
             <a:endParaRPr lang="en-US" dirty="0"/>
           </a:p>
@@ -10670,7 +10671,7 @@
           <a:p>
             <a:r>
               <a:rPr lang="en-US" dirty="0"/>
-              <a:t>Hearthstone presentation</a:t>
+              <a:t>Hearthstone  Sentimental analysis and NLP</a:t>
             </a:r>
           </a:p>
         </p:txBody>
@@ -10679,6 +10680,131 @@
     <p:extLst>
       <p:ext uri="{BB962C8B-B14F-4D97-AF65-F5344CB8AC3E}">
         <p14:creationId xmlns:p14="http://schemas.microsoft.com/office/powerpoint/2010/main" val="517426050"/>
+      </p:ext>
+    </p:extLst>
+  </p:cSld>
+  <p:clrMapOvr>
+    <a:masterClrMapping/>
+  </p:clrMapOvr>
+</p:sld>
+</file>
+
+<file path=ppt/slides/slide10.xml><?xml version="1.0" encoding="utf-8"?>
+<p:sld xmlns:a="http://schemas.openxmlformats.org/drawingml/2006/main" xmlns:r="http://schemas.openxmlformats.org/officeDocument/2006/relationships" xmlns:p="http://schemas.openxmlformats.org/presentationml/2006/main">
+  <p:cSld>
+    <p:spTree>
+      <p:nvGrpSpPr>
+        <p:cNvPr id="1" name=""/>
+        <p:cNvGrpSpPr/>
+        <p:nvPr/>
+      </p:nvGrpSpPr>
+      <p:grpSpPr>
+        <a:xfrm>
+          <a:off x="0" y="0"/>
+          <a:ext cx="0" cy="0"/>
+          <a:chOff x="0" y="0"/>
+          <a:chExt cx="0" cy="0"/>
+        </a:xfrm>
+      </p:grpSpPr>
+      <p:sp>
+        <p:nvSpPr>
+          <p:cNvPr id="2" name="Title 1">
+            <a:extLst>
+              <a:ext uri="{FF2B5EF4-FFF2-40B4-BE49-F238E27FC236}">
+                <a16:creationId xmlns:a16="http://schemas.microsoft.com/office/drawing/2014/main" id="{28BAC361-0D7A-DC05-86B5-6DD77D322F5B}"/>
+              </a:ext>
+            </a:extLst>
+          </p:cNvPr>
+          <p:cNvSpPr>
+            <a:spLocks noGrp="1"/>
+          </p:cNvSpPr>
+          <p:nvPr>
+            <p:ph type="title"/>
+          </p:nvPr>
+        </p:nvSpPr>
+        <p:spPr>
+          <a:xfrm>
+            <a:off x="383876" y="764502"/>
+            <a:ext cx="5315035" cy="5328996"/>
+          </a:xfrm>
+          <a:noFill/>
+        </p:spPr>
+        <p:txBody>
+          <a:bodyPr/>
+          <a:lstStyle/>
+          <a:p>
+            <a:r>
+              <a:rPr lang="en-US" dirty="0"/>
+              <a:t>Thank you</a:t>
+            </a:r>
+          </a:p>
+        </p:txBody>
+      </p:sp>
+      <p:pic>
+        <p:nvPicPr>
+          <p:cNvPr id="6" name="Picture 5" descr="A collage of a person with braces&#10;&#10;Description automatically generated">
+            <a:extLst>
+              <a:ext uri="{FF2B5EF4-FFF2-40B4-BE49-F238E27FC236}">
+                <a16:creationId xmlns:a16="http://schemas.microsoft.com/office/drawing/2014/main" id="{9A2C3D4E-2BF4-45B0-9F22-A03B07C99797}"/>
+              </a:ext>
+            </a:extLst>
+          </p:cNvPr>
+          <p:cNvPicPr>
+            <a:picLocks noChangeAspect="1"/>
+          </p:cNvPicPr>
+          <p:nvPr/>
+        </p:nvPicPr>
+        <p:blipFill>
+          <a:blip r:embed="rId3">
+            <a:extLst>
+              <a:ext uri="{28A0092B-C50C-407E-A947-70E740481C1C}">
+                <a14:useLocalDpi xmlns:a14="http://schemas.microsoft.com/office/drawing/2010/main" val="0"/>
+              </a:ext>
+            </a:extLst>
+          </a:blip>
+          <a:stretch>
+            <a:fillRect/>
+          </a:stretch>
+        </p:blipFill>
+        <p:spPr>
+          <a:xfrm>
+            <a:off x="6208568" y="1031438"/>
+            <a:ext cx="4762500" cy="4762500"/>
+          </a:xfrm>
+          <a:prstGeom prst="rect">
+            <a:avLst/>
+          </a:prstGeom>
+        </p:spPr>
+      </p:pic>
+      <p:sp>
+        <p:nvSpPr>
+          <p:cNvPr id="8" name="Content Placeholder 7">
+            <a:extLst>
+              <a:ext uri="{FF2B5EF4-FFF2-40B4-BE49-F238E27FC236}">
+                <a16:creationId xmlns:a16="http://schemas.microsoft.com/office/drawing/2014/main" id="{6E634C50-AD5F-51B0-6E59-F7DD3BAA91AD}"/>
+              </a:ext>
+            </a:extLst>
+          </p:cNvPr>
+          <p:cNvSpPr>
+            <a:spLocks noGrp="1"/>
+          </p:cNvSpPr>
+          <p:nvPr>
+            <p:ph idx="1"/>
+          </p:nvPr>
+        </p:nvSpPr>
+        <p:spPr/>
+        <p:txBody>
+          <a:bodyPr/>
+          <a:lstStyle/>
+          <a:p>
+            <a:endParaRPr lang="en-US"/>
+          </a:p>
+        </p:txBody>
+      </p:sp>
+    </p:spTree>
+    <p:extLst>
+      <p:ext uri="{BB962C8B-B14F-4D97-AF65-F5344CB8AC3E}">
+        <p14:creationId xmlns:p14="http://schemas.microsoft.com/office/powerpoint/2010/main" val="1562484837"/>
       </p:ext>
     </p:extLst>
   </p:cSld>
@@ -11340,44 +11466,10 @@
       </p:grpSpPr>
       <p:sp>
         <p:nvSpPr>
-          <p:cNvPr id="2" name="Title 1">
-            <a:extLst>
-              <a:ext uri="{FF2B5EF4-FFF2-40B4-BE49-F238E27FC236}">
-                <a16:creationId xmlns:a16="http://schemas.microsoft.com/office/drawing/2014/main" id="{3762BF92-2E9E-3C52-0E8A-578AF38E385F}"/>
-              </a:ext>
-            </a:extLst>
-          </p:cNvPr>
-          <p:cNvSpPr>
-            <a:spLocks noGrp="1"/>
-          </p:cNvSpPr>
-          <p:nvPr>
-            <p:ph type="title"/>
-          </p:nvPr>
-        </p:nvSpPr>
-        <p:spPr>
-          <a:xfrm>
-            <a:off x="838200" y="304803"/>
-            <a:ext cx="10515600" cy="1089888"/>
-          </a:xfrm>
-        </p:spPr>
-        <p:txBody>
-          <a:bodyPr/>
-          <a:lstStyle/>
-          <a:p>
-            <a:pPr algn="ctr"/>
-            <a:r>
-              <a:rPr lang="en-US" dirty="0"/>
-              <a:t>Hypothesis testing</a:t>
-            </a:r>
-          </a:p>
-        </p:txBody>
-      </p:sp>
-      <p:sp>
-        <p:nvSpPr>
           <p:cNvPr id="3" name="Content Placeholder 2">
             <a:extLst>
               <a:ext uri="{FF2B5EF4-FFF2-40B4-BE49-F238E27FC236}">
-                <a16:creationId xmlns:a16="http://schemas.microsoft.com/office/drawing/2014/main" id="{C874FF5D-DD85-63B3-5FD0-C73C7A02544E}"/>
+                <a16:creationId xmlns:a16="http://schemas.microsoft.com/office/drawing/2014/main" id="{B038F415-C392-41A0-6CC2-217BB0FAE3F6}"/>
               </a:ext>
             </a:extLst>
           </p:cNvPr>
@@ -11388,216 +11480,110 @@
             <p:ph sz="quarter" idx="13"/>
           </p:nvPr>
         </p:nvSpPr>
-        <p:spPr/>
+        <p:spPr>
+          <a:xfrm>
+            <a:off x="775855" y="544945"/>
+            <a:ext cx="10215417" cy="5578043"/>
+          </a:xfrm>
+        </p:spPr>
         <p:txBody>
-          <a:bodyPr>
-            <a:normAutofit/>
-          </a:bodyPr>
+          <a:bodyPr/>
           <a:lstStyle/>
           <a:p>
-            <a:r>
-              <a:rPr lang="en-US" b="0" dirty="0">
-                <a:solidFill>
-                  <a:schemeClr val="bg2">
-                    <a:lumMod val="10000"/>
-                  </a:schemeClr>
-                </a:solidFill>
-                <a:effectLst/>
+            <a:pPr marL="0" indent="0" algn="ctr">
+              <a:buNone/>
+            </a:pPr>
+            <a:endParaRPr lang="en-US" dirty="0">
+              <a:latin typeface="Abadi" panose="020B0604020104020204" pitchFamily="34" charset="0"/>
+            </a:endParaRPr>
+          </a:p>
+          <a:p>
+            <a:pPr marL="0" indent="0">
+              <a:buNone/>
+            </a:pPr>
+            <a:r>
+              <a:rPr lang="en-US" dirty="0">
                 <a:latin typeface="Abadi" panose="020B0604020104020204" pitchFamily="34" charset="0"/>
               </a:rPr>
-              <a:t>The average attack of legendary minions is different from common minions.</a:t>
-            </a:r>
-          </a:p>
-          <a:p>
-            <a:r>
-              <a:rPr lang="en-US" b="0" dirty="0">
-                <a:solidFill>
-                  <a:schemeClr val="bg2">
-                    <a:lumMod val="10000"/>
-                  </a:schemeClr>
-                </a:solidFill>
-                <a:effectLst/>
+              <a:t>Data set from </a:t>
+            </a:r>
+            <a:r>
+              <a:rPr lang="en-US" dirty="0" err="1">
                 <a:latin typeface="Abadi" panose="020B0604020104020204" pitchFamily="34" charset="0"/>
               </a:rPr>
-              <a:t>Null Hypothesis (H0): </a:t>
-            </a:r>
-            <a:r>
-              <a:rPr lang="en-US" b="0" dirty="0" err="1">
-                <a:solidFill>
-                  <a:schemeClr val="bg2">
-                    <a:lumMod val="10000"/>
-                  </a:schemeClr>
-                </a:solidFill>
-                <a:effectLst/>
+              <a:t>from</a:t>
+            </a:r>
+            <a:r>
+              <a:rPr lang="en-US" dirty="0">
                 <a:latin typeface="Abadi" panose="020B0604020104020204" pitchFamily="34" charset="0"/>
               </a:rPr>
-              <a:t>μ_attack</a:t>
-            </a:r>
-            <a:r>
-              <a:rPr lang="en-US" b="0" dirty="0">
-                <a:solidFill>
-                  <a:schemeClr val="bg2">
-                    <a:lumMod val="10000"/>
-                  </a:schemeClr>
-                </a:solidFill>
-                <a:effectLst/>
+              <a:t> Kaggle. </a:t>
+            </a:r>
+          </a:p>
+          <a:p>
+            <a:pPr marL="0" indent="0">
+              <a:buNone/>
+            </a:pPr>
+            <a:r>
+              <a:rPr lang="en-US" dirty="0">
                 <a:latin typeface="Abadi" panose="020B0604020104020204" pitchFamily="34" charset="0"/>
               </a:rPr>
-              <a:t>(legendary) = </a:t>
-            </a:r>
-            <a:r>
-              <a:rPr lang="en-US" b="0" dirty="0" err="1">
-                <a:solidFill>
-                  <a:schemeClr val="bg2">
-                    <a:lumMod val="10000"/>
-                  </a:schemeClr>
-                </a:solidFill>
-                <a:effectLst/>
+              <a:t>Before cleaning – 2819 cards</a:t>
+            </a:r>
+          </a:p>
+          <a:p>
+            <a:pPr marL="0" indent="0">
+              <a:buNone/>
+            </a:pPr>
+            <a:r>
+              <a:rPr lang="en-US" dirty="0">
                 <a:latin typeface="Abadi" panose="020B0604020104020204" pitchFamily="34" charset="0"/>
               </a:rPr>
-              <a:t>μ_attack</a:t>
-            </a:r>
-            <a:r>
-              <a:rPr lang="en-US" b="0" dirty="0">
-                <a:solidFill>
-                  <a:schemeClr val="bg2">
-                    <a:lumMod val="10000"/>
-                  </a:schemeClr>
-                </a:solidFill>
-                <a:effectLst/>
-                <a:latin typeface="Abadi" panose="020B0604020104020204" pitchFamily="34" charset="0"/>
-              </a:rPr>
-              <a:t>(common). Legendary cards attack value is equal to common cards attack value.</a:t>
-            </a:r>
-          </a:p>
-          <a:p>
-            <a:br>
-              <a:rPr lang="en-US" b="0" dirty="0">
-                <a:solidFill>
-                  <a:schemeClr val="bg2">
-                    <a:lumMod val="10000"/>
-                  </a:schemeClr>
-                </a:solidFill>
-                <a:effectLst/>
-                <a:latin typeface="Abadi" panose="020B0604020104020204" pitchFamily="34" charset="0"/>
-              </a:rPr>
-            </a:br>
-            <a:r>
-              <a:rPr lang="en-US" b="0" dirty="0">
-                <a:solidFill>
-                  <a:schemeClr val="bg2">
-                    <a:lumMod val="10000"/>
-                  </a:schemeClr>
-                </a:solidFill>
-                <a:effectLst/>
-                <a:latin typeface="Abadi" panose="020B0604020104020204" pitchFamily="34" charset="0"/>
-              </a:rPr>
-              <a:t>Alternative Hypothesis (H1): </a:t>
-            </a:r>
-            <a:r>
-              <a:rPr lang="en-US" b="0" dirty="0" err="1">
-                <a:solidFill>
-                  <a:schemeClr val="bg2">
-                    <a:lumMod val="10000"/>
-                  </a:schemeClr>
-                </a:solidFill>
-                <a:effectLst/>
-                <a:latin typeface="Abadi" panose="020B0604020104020204" pitchFamily="34" charset="0"/>
-              </a:rPr>
-              <a:t>μ_attack</a:t>
-            </a:r>
-            <a:r>
-              <a:rPr lang="en-US" b="0" dirty="0">
-                <a:solidFill>
-                  <a:schemeClr val="bg2">
-                    <a:lumMod val="10000"/>
-                  </a:schemeClr>
-                </a:solidFill>
-                <a:effectLst/>
-                <a:latin typeface="Abadi" panose="020B0604020104020204" pitchFamily="34" charset="0"/>
-              </a:rPr>
-              <a:t>(legendary) ≠ </a:t>
-            </a:r>
-            <a:r>
-              <a:rPr lang="en-US" b="0" dirty="0" err="1">
-                <a:solidFill>
-                  <a:schemeClr val="bg2">
-                    <a:lumMod val="10000"/>
-                  </a:schemeClr>
-                </a:solidFill>
-                <a:effectLst/>
-                <a:latin typeface="Abadi" panose="020B0604020104020204" pitchFamily="34" charset="0"/>
-              </a:rPr>
-              <a:t>μ_attack</a:t>
-            </a:r>
-            <a:r>
-              <a:rPr lang="en-US" b="0" dirty="0">
-                <a:solidFill>
-                  <a:schemeClr val="bg2">
-                    <a:lumMod val="10000"/>
-                  </a:schemeClr>
-                </a:solidFill>
-                <a:effectLst/>
-                <a:latin typeface="Abadi" panose="020B0604020104020204" pitchFamily="34" charset="0"/>
-              </a:rPr>
-              <a:t>(common). Legendary cards attack value is different from common cards attack value</a:t>
-            </a:r>
-          </a:p>
-          <a:p>
-            <a:r>
-              <a:rPr lang="en-US" dirty="0">
-                <a:solidFill>
-                  <a:schemeClr val="bg2">
-                    <a:lumMod val="10000"/>
-                  </a:schemeClr>
-                </a:solidFill>
-                <a:latin typeface="Abadi" panose="020B0604020104020204" pitchFamily="34" charset="0"/>
-              </a:rPr>
-              <a:t>Result:</a:t>
-            </a:r>
-          </a:p>
-          <a:p>
-            <a:r>
-              <a:rPr lang="en-US" b="0" i="0" dirty="0">
-                <a:solidFill>
-                  <a:schemeClr val="bg2">
-                    <a:lumMod val="10000"/>
-                  </a:schemeClr>
-                </a:solidFill>
-                <a:effectLst/>
-                <a:latin typeface="Abadi" panose="020B0604020104020204" pitchFamily="34" charset="0"/>
-              </a:rPr>
-              <a:t>Test for Attack - Statistic: 10.035844391402186, P-value: 1.914019599904708e-19 </a:t>
-            </a:r>
-          </a:p>
-          <a:p>
-            <a:r>
-              <a:rPr lang="en-US" b="0" i="0" dirty="0">
-                <a:solidFill>
-                  <a:schemeClr val="bg2">
-                    <a:lumMod val="10000"/>
-                  </a:schemeClr>
-                </a:solidFill>
-                <a:effectLst/>
-                <a:latin typeface="Abadi" panose="020B0604020104020204" pitchFamily="34" charset="0"/>
-              </a:rPr>
-              <a:t>Reject the null hypothesis. Legendary cards attack value is different from common cards attack value</a:t>
-            </a:r>
-            <a:endParaRPr lang="en-US" dirty="0">
-              <a:solidFill>
-                <a:schemeClr val="bg2">
-                  <a:lumMod val="10000"/>
-                </a:schemeClr>
-              </a:solidFill>
-              <a:latin typeface="Abadi" panose="020B0604020104020204" pitchFamily="34" charset="0"/>
-            </a:endParaRPr>
+              <a:t>After data cleaning – 1014 cards</a:t>
+            </a:r>
           </a:p>
         </p:txBody>
       </p:sp>
+      <p:pic>
+        <p:nvPicPr>
+          <p:cNvPr id="5" name="Picture 4" descr="A video game screen shot&#10;&#10;Description automatically generated">
+            <a:extLst>
+              <a:ext uri="{FF2B5EF4-FFF2-40B4-BE49-F238E27FC236}">
+                <a16:creationId xmlns:a16="http://schemas.microsoft.com/office/drawing/2014/main" id="{43D845E5-5C09-7668-6370-2E3B14CFBAA0}"/>
+              </a:ext>
+            </a:extLst>
+          </p:cNvPr>
+          <p:cNvPicPr>
+            <a:picLocks noChangeAspect="1"/>
+          </p:cNvPicPr>
+          <p:nvPr/>
+        </p:nvPicPr>
+        <p:blipFill>
+          <a:blip r:embed="rId2">
+            <a:extLst>
+              <a:ext uri="{28A0092B-C50C-407E-A947-70E740481C1C}">
+                <a14:useLocalDpi xmlns:a14="http://schemas.microsoft.com/office/drawing/2010/main" val="0"/>
+              </a:ext>
+            </a:extLst>
+          </a:blip>
+          <a:stretch>
+            <a:fillRect/>
+          </a:stretch>
+        </p:blipFill>
+        <p:spPr>
+          <a:xfrm>
+            <a:off x="4457700" y="284165"/>
+            <a:ext cx="7143749" cy="5661455"/>
+          </a:xfrm>
+          <a:prstGeom prst="rect">
+            <a:avLst/>
+          </a:prstGeom>
+        </p:spPr>
+      </p:pic>
     </p:spTree>
     <p:extLst>
       <p:ext uri="{BB962C8B-B14F-4D97-AF65-F5344CB8AC3E}">
-        <p14:creationId xmlns:p14="http://schemas.microsoft.com/office/powerpoint/2010/main" val="37487199"/>
+        <p14:creationId xmlns:p14="http://schemas.microsoft.com/office/powerpoint/2010/main" val="735450205"/>
       </p:ext>
     </p:extLst>
   </p:cSld>
@@ -11629,6 +11615,281 @@
           <p:cNvPr id="2" name="Title 1">
             <a:extLst>
               <a:ext uri="{FF2B5EF4-FFF2-40B4-BE49-F238E27FC236}">
+                <a16:creationId xmlns:a16="http://schemas.microsoft.com/office/drawing/2014/main" id="{3762BF92-2E9E-3C52-0E8A-578AF38E385F}"/>
+              </a:ext>
+            </a:extLst>
+          </p:cNvPr>
+          <p:cNvSpPr>
+            <a:spLocks noGrp="1"/>
+          </p:cNvSpPr>
+          <p:nvPr>
+            <p:ph type="title"/>
+          </p:nvPr>
+        </p:nvSpPr>
+        <p:spPr>
+          <a:xfrm>
+            <a:off x="838200" y="304803"/>
+            <a:ext cx="10515600" cy="1089888"/>
+          </a:xfrm>
+        </p:spPr>
+        <p:txBody>
+          <a:bodyPr/>
+          <a:lstStyle/>
+          <a:p>
+            <a:pPr algn="ctr"/>
+            <a:r>
+              <a:rPr lang="en-US" dirty="0"/>
+              <a:t>Hypothesis testing</a:t>
+            </a:r>
+          </a:p>
+        </p:txBody>
+      </p:sp>
+      <p:sp>
+        <p:nvSpPr>
+          <p:cNvPr id="3" name="Content Placeholder 2">
+            <a:extLst>
+              <a:ext uri="{FF2B5EF4-FFF2-40B4-BE49-F238E27FC236}">
+                <a16:creationId xmlns:a16="http://schemas.microsoft.com/office/drawing/2014/main" id="{C874FF5D-DD85-63B3-5FD0-C73C7A02544E}"/>
+              </a:ext>
+            </a:extLst>
+          </p:cNvPr>
+          <p:cNvSpPr>
+            <a:spLocks noGrp="1"/>
+          </p:cNvSpPr>
+          <p:nvPr>
+            <p:ph sz="quarter" idx="13"/>
+          </p:nvPr>
+        </p:nvSpPr>
+        <p:spPr/>
+        <p:txBody>
+          <a:bodyPr>
+            <a:normAutofit/>
+          </a:bodyPr>
+          <a:lstStyle/>
+          <a:p>
+            <a:r>
+              <a:rPr lang="en-US" b="0" dirty="0">
+                <a:solidFill>
+                  <a:schemeClr val="bg2">
+                    <a:lumMod val="10000"/>
+                  </a:schemeClr>
+                </a:solidFill>
+                <a:effectLst/>
+                <a:latin typeface="Abadi" panose="020B0604020104020204" pitchFamily="34" charset="0"/>
+              </a:rPr>
+              <a:t>The average attack of legendary minions is different from common minions.</a:t>
+            </a:r>
+          </a:p>
+          <a:p>
+            <a:r>
+              <a:rPr lang="en-US" b="0" dirty="0">
+                <a:solidFill>
+                  <a:schemeClr val="bg2">
+                    <a:lumMod val="10000"/>
+                  </a:schemeClr>
+                </a:solidFill>
+                <a:effectLst/>
+                <a:latin typeface="Abadi" panose="020B0604020104020204" pitchFamily="34" charset="0"/>
+              </a:rPr>
+              <a:t>Null Hypothesis (H0): </a:t>
+            </a:r>
+            <a:r>
+              <a:rPr lang="en-US" b="0" dirty="0" err="1">
+                <a:solidFill>
+                  <a:schemeClr val="bg2">
+                    <a:lumMod val="10000"/>
+                  </a:schemeClr>
+                </a:solidFill>
+                <a:effectLst/>
+                <a:latin typeface="Abadi" panose="020B0604020104020204" pitchFamily="34" charset="0"/>
+              </a:rPr>
+              <a:t>μ_attack</a:t>
+            </a:r>
+            <a:r>
+              <a:rPr lang="en-US" b="0" dirty="0">
+                <a:solidFill>
+                  <a:schemeClr val="bg2">
+                    <a:lumMod val="10000"/>
+                  </a:schemeClr>
+                </a:solidFill>
+                <a:effectLst/>
+                <a:latin typeface="Abadi" panose="020B0604020104020204" pitchFamily="34" charset="0"/>
+              </a:rPr>
+              <a:t>(legendary) = </a:t>
+            </a:r>
+            <a:r>
+              <a:rPr lang="en-US" b="0" dirty="0" err="1">
+                <a:solidFill>
+                  <a:schemeClr val="bg2">
+                    <a:lumMod val="10000"/>
+                  </a:schemeClr>
+                </a:solidFill>
+                <a:effectLst/>
+                <a:latin typeface="Abadi" panose="020B0604020104020204" pitchFamily="34" charset="0"/>
+              </a:rPr>
+              <a:t>μ_attack</a:t>
+            </a:r>
+            <a:r>
+              <a:rPr lang="en-US" b="0" dirty="0">
+                <a:solidFill>
+                  <a:schemeClr val="bg2">
+                    <a:lumMod val="10000"/>
+                  </a:schemeClr>
+                </a:solidFill>
+                <a:effectLst/>
+                <a:latin typeface="Abadi" panose="020B0604020104020204" pitchFamily="34" charset="0"/>
+              </a:rPr>
+              <a:t>(common). Legendary cards attack value is equal to common cards attack value.</a:t>
+            </a:r>
+          </a:p>
+          <a:p>
+            <a:r>
+              <a:rPr lang="en-US" b="0" dirty="0">
+                <a:solidFill>
+                  <a:schemeClr val="bg2">
+                    <a:lumMod val="10000"/>
+                  </a:schemeClr>
+                </a:solidFill>
+                <a:effectLst/>
+                <a:latin typeface="Abadi" panose="020B0604020104020204" pitchFamily="34" charset="0"/>
+              </a:rPr>
+              <a:t>Alternative Hypothesis (H1): </a:t>
+            </a:r>
+            <a:r>
+              <a:rPr lang="en-US" b="0" dirty="0" err="1">
+                <a:solidFill>
+                  <a:schemeClr val="bg2">
+                    <a:lumMod val="10000"/>
+                  </a:schemeClr>
+                </a:solidFill>
+                <a:effectLst/>
+                <a:latin typeface="Abadi" panose="020B0604020104020204" pitchFamily="34" charset="0"/>
+              </a:rPr>
+              <a:t>μ_attack</a:t>
+            </a:r>
+            <a:r>
+              <a:rPr lang="en-US" b="0" dirty="0">
+                <a:solidFill>
+                  <a:schemeClr val="bg2">
+                    <a:lumMod val="10000"/>
+                  </a:schemeClr>
+                </a:solidFill>
+                <a:effectLst/>
+                <a:latin typeface="Abadi" panose="020B0604020104020204" pitchFamily="34" charset="0"/>
+              </a:rPr>
+              <a:t>(legendary) ≠ </a:t>
+            </a:r>
+            <a:r>
+              <a:rPr lang="en-US" b="0" dirty="0" err="1">
+                <a:solidFill>
+                  <a:schemeClr val="bg2">
+                    <a:lumMod val="10000"/>
+                  </a:schemeClr>
+                </a:solidFill>
+                <a:effectLst/>
+                <a:latin typeface="Abadi" panose="020B0604020104020204" pitchFamily="34" charset="0"/>
+              </a:rPr>
+              <a:t>μ_attack</a:t>
+            </a:r>
+            <a:r>
+              <a:rPr lang="en-US" b="0" dirty="0">
+                <a:solidFill>
+                  <a:schemeClr val="bg2">
+                    <a:lumMod val="10000"/>
+                  </a:schemeClr>
+                </a:solidFill>
+                <a:effectLst/>
+                <a:latin typeface="Abadi" panose="020B0604020104020204" pitchFamily="34" charset="0"/>
+              </a:rPr>
+              <a:t>(common). Legendary cards attack value is different from common cards attack value</a:t>
+            </a:r>
+          </a:p>
+          <a:p>
+            <a:r>
+              <a:rPr lang="en-US" dirty="0">
+                <a:solidFill>
+                  <a:schemeClr val="bg2">
+                    <a:lumMod val="10000"/>
+                  </a:schemeClr>
+                </a:solidFill>
+                <a:latin typeface="Abadi" panose="020B0604020104020204" pitchFamily="34" charset="0"/>
+              </a:rPr>
+              <a:t>Result:</a:t>
+            </a:r>
+          </a:p>
+          <a:p>
+            <a:r>
+              <a:rPr lang="en-US" b="0" i="0" dirty="0">
+                <a:solidFill>
+                  <a:schemeClr val="bg2">
+                    <a:lumMod val="10000"/>
+                  </a:schemeClr>
+                </a:solidFill>
+                <a:effectLst/>
+                <a:latin typeface="Abadi" panose="020B0604020104020204" pitchFamily="34" charset="0"/>
+              </a:rPr>
+              <a:t>Test for Attack - Statistic: 10.035844391402186, P-value: 1.914019599904708e-19 </a:t>
+            </a:r>
+          </a:p>
+          <a:p>
+            <a:r>
+              <a:rPr lang="en-US" b="0" i="0" dirty="0">
+                <a:solidFill>
+                  <a:schemeClr val="bg2">
+                    <a:lumMod val="10000"/>
+                  </a:schemeClr>
+                </a:solidFill>
+                <a:effectLst/>
+                <a:latin typeface="Abadi" panose="020B0604020104020204" pitchFamily="34" charset="0"/>
+              </a:rPr>
+              <a:t>Reject the null hypothesis. Legendary cards attack value is different from common cards attack value</a:t>
+            </a:r>
+            <a:endParaRPr lang="en-US" dirty="0">
+              <a:solidFill>
+                <a:schemeClr val="bg2">
+                  <a:lumMod val="10000"/>
+                </a:schemeClr>
+              </a:solidFill>
+              <a:latin typeface="Abadi" panose="020B0604020104020204" pitchFamily="34" charset="0"/>
+            </a:endParaRPr>
+          </a:p>
+        </p:txBody>
+      </p:sp>
+    </p:spTree>
+    <p:extLst>
+      <p:ext uri="{BB962C8B-B14F-4D97-AF65-F5344CB8AC3E}">
+        <p14:creationId xmlns:p14="http://schemas.microsoft.com/office/powerpoint/2010/main" val="37487199"/>
+      </p:ext>
+    </p:extLst>
+  </p:cSld>
+  <p:clrMapOvr>
+    <a:masterClrMapping/>
+  </p:clrMapOvr>
+</p:sld>
+</file>
+
+<file path=ppt/slides/slide6.xml><?xml version="1.0" encoding="utf-8"?>
+<p:sld xmlns:a="http://schemas.openxmlformats.org/drawingml/2006/main" xmlns:r="http://schemas.openxmlformats.org/officeDocument/2006/relationships" xmlns:p="http://schemas.openxmlformats.org/presentationml/2006/main">
+  <p:cSld>
+    <p:spTree>
+      <p:nvGrpSpPr>
+        <p:cNvPr id="1" name=""/>
+        <p:cNvGrpSpPr/>
+        <p:nvPr/>
+      </p:nvGrpSpPr>
+      <p:grpSpPr>
+        <a:xfrm>
+          <a:off x="0" y="0"/>
+          <a:ext cx="0" cy="0"/>
+          <a:chOff x="0" y="0"/>
+          <a:chExt cx="0" cy="0"/>
+        </a:xfrm>
+      </p:grpSpPr>
+      <p:sp>
+        <p:nvSpPr>
+          <p:cNvPr id="2" name="Title 1">
+            <a:extLst>
+              <a:ext uri="{FF2B5EF4-FFF2-40B4-BE49-F238E27FC236}">
                 <a16:creationId xmlns:a16="http://schemas.microsoft.com/office/drawing/2014/main" id="{47A9874B-BCA9-8420-1595-EDD1865A099A}"/>
               </a:ext>
             </a:extLst>
@@ -11684,6 +11945,10 @@
           </a:bodyPr>
           <a:lstStyle/>
           <a:p>
+            <a:pPr marL="285750" indent="-285750">
+              <a:buFont typeface="Arial" panose="020B0604020202020204" pitchFamily="34" charset="0"/>
+              <a:buChar char="•"/>
+            </a:pPr>
             <a:r>
               <a:rPr lang="en-US" sz="1800" b="0" dirty="0">
                 <a:effectLst/>
@@ -11693,6 +11958,10 @@
             </a:r>
           </a:p>
           <a:p>
+            <a:pPr marL="285750" indent="-285750">
+              <a:buFont typeface="Arial" panose="020B0604020202020204" pitchFamily="34" charset="0"/>
+              <a:buChar char="•"/>
+            </a:pPr>
             <a:br>
               <a:rPr lang="en-US" sz="1800" b="0" dirty="0">
                 <a:effectLst/>
@@ -11708,6 +11977,10 @@
             </a:r>
           </a:p>
           <a:p>
+            <a:pPr marL="285750" indent="-285750">
+              <a:buFont typeface="Arial" panose="020B0604020202020204" pitchFamily="34" charset="0"/>
+              <a:buChar char="•"/>
+            </a:pPr>
             <a:br>
               <a:rPr lang="en-US" sz="1800" b="0" dirty="0">
                 <a:effectLst/>
@@ -11726,6 +11999,10 @@
             </a:endParaRPr>
           </a:p>
           <a:p>
+            <a:pPr marL="285750" indent="-285750">
+              <a:buFont typeface="Arial" panose="020B0604020202020204" pitchFamily="34" charset="0"/>
+              <a:buChar char="•"/>
+            </a:pPr>
             <a:r>
               <a:rPr lang="en-US" sz="1800" b="0" dirty="0">
                 <a:effectLst/>
@@ -11735,6 +12012,10 @@
             </a:r>
           </a:p>
           <a:p>
+            <a:pPr marL="285750" indent="-285750">
+              <a:buFont typeface="Arial" panose="020B0604020202020204" pitchFamily="34" charset="0"/>
+              <a:buChar char="•"/>
+            </a:pPr>
             <a:r>
               <a:rPr lang="en-US" sz="1800" b="0" i="0" dirty="0">
                 <a:effectLst/>
@@ -11744,23 +12025,20 @@
             </a:r>
           </a:p>
           <a:p>
+            <a:pPr marL="285750" indent="-285750">
+              <a:buFont typeface="Arial" panose="020B0604020202020204" pitchFamily="34" charset="0"/>
+              <a:buChar char="•"/>
+            </a:pPr>
             <a:r>
               <a:rPr lang="en-US" sz="1800" b="0" i="0" dirty="0">
                 <a:effectLst/>
                 <a:latin typeface="Abadi" panose="020B0604020104020204" pitchFamily="34" charset="0"/>
               </a:rPr>
-              <a:t>Reject the null </a:t>
-            </a:r>
-            <a:r>
-              <a:rPr lang="en-US" sz="1800" b="0" i="0" dirty="0">
-                <a:effectLst/>
-                <a:latin typeface="Consolas" panose="020B0609020204030204" pitchFamily="49" charset="0"/>
-              </a:rPr>
-              <a:t>hypothesis. The distribution of card types is different across sets.</a:t>
+              <a:t>Reject the null hypothesis. The distribution of card types is different across sets.</a:t>
             </a:r>
             <a:endParaRPr lang="en-US" sz="1800" b="0" dirty="0">
               <a:effectLst/>
-              <a:latin typeface="Consolas" panose="020B0609020204030204" pitchFamily="49" charset="0"/>
+              <a:latin typeface="Abadi" panose="020B0604020104020204" pitchFamily="34" charset="0"/>
             </a:endParaRPr>
           </a:p>
         </p:txBody>
@@ -11811,7 +12089,7 @@
 </p:sld>
 </file>
 
-<file path=ppt/slides/slide6.xml><?xml version="1.0" encoding="utf-8"?>
+<file path=ppt/slides/slide7.xml><?xml version="1.0" encoding="utf-8"?>
 <p:sld xmlns:a="http://schemas.openxmlformats.org/drawingml/2006/main" xmlns:r="http://schemas.openxmlformats.org/officeDocument/2006/relationships" xmlns:p="http://schemas.openxmlformats.org/presentationml/2006/main">
   <p:cSld>
     <p:spTree>
@@ -11942,169 +12220,6 @@
     <p:extLst>
       <p:ext uri="{BB962C8B-B14F-4D97-AF65-F5344CB8AC3E}">
         <p14:creationId xmlns:p14="http://schemas.microsoft.com/office/powerpoint/2010/main" val="2674127774"/>
-      </p:ext>
-    </p:extLst>
-  </p:cSld>
-  <p:clrMapOvr>
-    <a:masterClrMapping/>
-  </p:clrMapOvr>
-</p:sld>
-</file>
-
-<file path=ppt/slides/slide7.xml><?xml version="1.0" encoding="utf-8"?>
-<p:sld xmlns:a="http://schemas.openxmlformats.org/drawingml/2006/main" xmlns:r="http://schemas.openxmlformats.org/officeDocument/2006/relationships" xmlns:p="http://schemas.openxmlformats.org/presentationml/2006/main">
-  <p:cSld>
-    <p:spTree>
-      <p:nvGrpSpPr>
-        <p:cNvPr id="1" name=""/>
-        <p:cNvGrpSpPr/>
-        <p:nvPr/>
-      </p:nvGrpSpPr>
-      <p:grpSpPr>
-        <a:xfrm>
-          <a:off x="0" y="0"/>
-          <a:ext cx="0" cy="0"/>
-          <a:chOff x="0" y="0"/>
-          <a:chExt cx="0" cy="0"/>
-        </a:xfrm>
-      </p:grpSpPr>
-      <p:sp>
-        <p:nvSpPr>
-          <p:cNvPr id="2" name="Title 1">
-            <a:extLst>
-              <a:ext uri="{FF2B5EF4-FFF2-40B4-BE49-F238E27FC236}">
-                <a16:creationId xmlns:a16="http://schemas.microsoft.com/office/drawing/2014/main" id="{D5EA03B8-290B-2552-925D-8445046DBE57}"/>
-              </a:ext>
-            </a:extLst>
-          </p:cNvPr>
-          <p:cNvSpPr>
-            <a:spLocks noGrp="1"/>
-          </p:cNvSpPr>
-          <p:nvPr>
-            <p:ph type="title"/>
-          </p:nvPr>
-        </p:nvSpPr>
-        <p:spPr/>
-        <p:txBody>
-          <a:bodyPr/>
-          <a:lstStyle/>
-          <a:p>
-            <a:pPr algn="ctr"/>
-            <a:r>
-              <a:rPr lang="en-US" dirty="0"/>
-              <a:t>Why NLP?</a:t>
-            </a:r>
-          </a:p>
-        </p:txBody>
-      </p:sp>
-      <p:sp>
-        <p:nvSpPr>
-          <p:cNvPr id="3" name="Content Placeholder 2">
-            <a:extLst>
-              <a:ext uri="{FF2B5EF4-FFF2-40B4-BE49-F238E27FC236}">
-                <a16:creationId xmlns:a16="http://schemas.microsoft.com/office/drawing/2014/main" id="{89699BF6-6FEF-BBB2-E22C-94CAFA8EC776}"/>
-              </a:ext>
-            </a:extLst>
-          </p:cNvPr>
-          <p:cNvSpPr>
-            <a:spLocks noGrp="1"/>
-          </p:cNvSpPr>
-          <p:nvPr>
-            <p:ph sz="half" idx="1"/>
-          </p:nvPr>
-        </p:nvSpPr>
-        <p:spPr>
-          <a:xfrm flipH="1">
-            <a:off x="471055" y="2558473"/>
-            <a:ext cx="367146" cy="3564832"/>
-          </a:xfrm>
-        </p:spPr>
-        <p:txBody>
-          <a:bodyPr/>
-          <a:lstStyle/>
-          <a:p>
-            <a:endParaRPr lang="en-US" dirty="0"/>
-          </a:p>
-          <a:p>
-            <a:endParaRPr lang="en-US" dirty="0"/>
-          </a:p>
-        </p:txBody>
-      </p:sp>
-      <p:sp>
-        <p:nvSpPr>
-          <p:cNvPr id="4" name="Content Placeholder 3">
-            <a:extLst>
-              <a:ext uri="{FF2B5EF4-FFF2-40B4-BE49-F238E27FC236}">
-                <a16:creationId xmlns:a16="http://schemas.microsoft.com/office/drawing/2014/main" id="{939D7730-5E19-CCE9-6381-6377AA074B5D}"/>
-              </a:ext>
-            </a:extLst>
-          </p:cNvPr>
-          <p:cNvSpPr>
-            <a:spLocks noGrp="1"/>
-          </p:cNvSpPr>
-          <p:nvPr>
-            <p:ph sz="half" idx="15"/>
-          </p:nvPr>
-        </p:nvSpPr>
-        <p:spPr>
-          <a:xfrm>
-            <a:off x="1200727" y="1690688"/>
-            <a:ext cx="10159249" cy="4423908"/>
-          </a:xfrm>
-        </p:spPr>
-        <p:txBody>
-          <a:bodyPr>
-            <a:normAutofit/>
-          </a:bodyPr>
-          <a:lstStyle/>
-          <a:p>
-            <a:r>
-              <a:rPr lang="en-US" b="0" dirty="0">
-                <a:effectLst/>
-                <a:latin typeface="Abadi" panose="020B0604020104020204" pitchFamily="34" charset="0"/>
-              </a:rPr>
-              <a:t>The purpose of the text NLP analysis:</a:t>
-            </a:r>
-          </a:p>
-          <a:p>
-            <a:r>
-              <a:rPr lang="en-US" b="0" dirty="0">
-                <a:effectLst/>
-                <a:latin typeface="Abadi" panose="020B0604020104020204" pitchFamily="34" charset="0"/>
-              </a:rPr>
-              <a:t>to gain insights into Hearthstone cards' characteristics, including their effects, abilities, sentiments, and player perceptions</a:t>
-            </a:r>
-          </a:p>
-          <a:p>
-            <a:r>
-              <a:rPr lang="en-US" b="0" dirty="0">
-                <a:effectLst/>
-                <a:latin typeface="Abadi" panose="020B0604020104020204" pitchFamily="34" charset="0"/>
-              </a:rPr>
-              <a:t>to understand the gameplay mechanics, strategic implications, and player preferences associated with different cards in the game</a:t>
-            </a:r>
-          </a:p>
-          <a:p>
-            <a:r>
-              <a:rPr lang="en-US" b="0" dirty="0">
-                <a:effectLst/>
-                <a:latin typeface="Abadi" panose="020B0604020104020204" pitchFamily="34" charset="0"/>
-              </a:rPr>
-              <a:t>It helps enhance our understanding of Hearthstone gameplay and can inform strategic decision-making for players, game developers, and enthusiasts alike.</a:t>
-            </a:r>
-            <a:endParaRPr lang="en-US" dirty="0">
-              <a:latin typeface="Abadi" panose="020B0604020104020204" pitchFamily="34" charset="0"/>
-            </a:endParaRPr>
-          </a:p>
-          <a:p>
-            <a:endParaRPr lang="en-US" dirty="0"/>
-          </a:p>
-        </p:txBody>
-      </p:sp>
-    </p:spTree>
-    <p:extLst>
-      <p:ext uri="{BB962C8B-B14F-4D97-AF65-F5344CB8AC3E}">
-        <p14:creationId xmlns:p14="http://schemas.microsoft.com/office/powerpoint/2010/main" val="2900152407"/>
       </p:ext>
     </p:extLst>
   </p:cSld>
@@ -12136,7 +12251,7 @@
           <p:cNvPr id="2" name="Title 1">
             <a:extLst>
               <a:ext uri="{FF2B5EF4-FFF2-40B4-BE49-F238E27FC236}">
-                <a16:creationId xmlns:a16="http://schemas.microsoft.com/office/drawing/2014/main" id="{314C27C8-165C-5513-DB4B-9D840097C545}"/>
+                <a16:creationId xmlns:a16="http://schemas.microsoft.com/office/drawing/2014/main" id="{D5EA03B8-290B-2552-925D-8445046DBE57}"/>
               </a:ext>
             </a:extLst>
           </p:cNvPr>
@@ -12147,22 +12262,49 @@
             <p:ph type="title"/>
           </p:nvPr>
         </p:nvSpPr>
+        <p:spPr/>
+        <p:txBody>
+          <a:bodyPr/>
+          <a:lstStyle/>
+          <a:p>
+            <a:pPr algn="ctr"/>
+            <a:r>
+              <a:rPr lang="en-US" dirty="0"/>
+              <a:t>Why NLP?</a:t>
+            </a:r>
+          </a:p>
+        </p:txBody>
+      </p:sp>
+      <p:sp>
+        <p:nvSpPr>
+          <p:cNvPr id="3" name="Content Placeholder 2">
+            <a:extLst>
+              <a:ext uri="{FF2B5EF4-FFF2-40B4-BE49-F238E27FC236}">
+                <a16:creationId xmlns:a16="http://schemas.microsoft.com/office/drawing/2014/main" id="{89699BF6-6FEF-BBB2-E22C-94CAFA8EC776}"/>
+              </a:ext>
+            </a:extLst>
+          </p:cNvPr>
+          <p:cNvSpPr>
+            <a:spLocks noGrp="1"/>
+          </p:cNvSpPr>
+          <p:nvPr>
+            <p:ph sz="half" idx="1"/>
+          </p:nvPr>
+        </p:nvSpPr>
         <p:spPr>
-          <a:xfrm>
-            <a:off x="838200" y="365125"/>
-            <a:ext cx="10515600" cy="798657"/>
+          <a:xfrm flipH="1">
+            <a:off x="471055" y="2558473"/>
+            <a:ext cx="367146" cy="3564832"/>
           </a:xfrm>
-          <a:noFill/>
         </p:spPr>
         <p:txBody>
-          <a:bodyPr anchor="ctr"/>
+          <a:bodyPr/>
           <a:lstStyle/>
           <a:p>
-            <a:pPr algn="ctr"/>
-            <a:r>
-              <a:rPr lang="en-US" dirty="0"/>
-              <a:t>NLP of cards text</a:t>
-            </a:r>
+            <a:endParaRPr lang="en-US" dirty="0"/>
+          </a:p>
+          <a:p>
+            <a:endParaRPr lang="en-US" dirty="0"/>
           </a:p>
         </p:txBody>
       </p:sp>
@@ -12171,7 +12313,7 @@
           <p:cNvPr id="4" name="Content Placeholder 3">
             <a:extLst>
               <a:ext uri="{FF2B5EF4-FFF2-40B4-BE49-F238E27FC236}">
-                <a16:creationId xmlns:a16="http://schemas.microsoft.com/office/drawing/2014/main" id="{83302BFD-960F-CBB3-E984-CDC12813A10C}"/>
+                <a16:creationId xmlns:a16="http://schemas.microsoft.com/office/drawing/2014/main" id="{939D7730-5E19-CCE9-6381-6377AA074B5D}"/>
               </a:ext>
             </a:extLst>
           </p:cNvPr>
@@ -12184,134 +12326,54 @@
         </p:nvSpPr>
         <p:spPr>
           <a:xfrm>
-            <a:off x="1129897" y="1163782"/>
-            <a:ext cx="10186958" cy="4673723"/>
+            <a:off x="1200727" y="1690688"/>
+            <a:ext cx="10159249" cy="4423908"/>
           </a:xfrm>
-          <a:noFill/>
         </p:spPr>
         <p:txBody>
           <a:bodyPr>
-            <a:noAutofit/>
+            <a:normAutofit/>
           </a:bodyPr>
           <a:lstStyle/>
           <a:p>
             <a:r>
               <a:rPr lang="en-US" b="0" dirty="0">
-                <a:effectLst/>
-                <a:latin typeface="Consolas" panose="020B0609020204030204" pitchFamily="49" charset="0"/>
-              </a:rPr>
-              <a:t>Class analysis:</a:t>
-            </a:r>
-          </a:p>
-          <a:p>
-            <a:r>
-              <a:rPr lang="en-US" sz="1600" b="0" dirty="0">
                 <a:effectLst/>
                 <a:latin typeface="Abadi" panose="020B0604020104020204" pitchFamily="34" charset="0"/>
               </a:rPr>
-              <a:t>Group 0: Describes various card effects or abilities in Hearthstone, including summoning minions, modifying mana costs, or triggering specific actions under certain conditions.</a:t>
-            </a:r>
-          </a:p>
-          <a:p>
-            <a:r>
-              <a:rPr lang="en-US" sz="1600" b="0" dirty="0">
+              <a:t>The purpose of the text NLP analysis:</a:t>
+            </a:r>
+          </a:p>
+          <a:p>
+            <a:r>
+              <a:rPr lang="en-US" b="0" dirty="0">
                 <a:effectLst/>
                 <a:latin typeface="Abadi" panose="020B0604020104020204" pitchFamily="34" charset="0"/>
               </a:rPr>
-              <a:t>Group 1: Contains card descriptions with "</a:t>
-            </a:r>
-            <a:r>
-              <a:rPr lang="en-US" sz="1600" b="0" dirty="0" err="1">
+              <a:t>to gain insights into Hearthstone cards' characteristics, including their effects, abilities, sentiments, and player perceptions</a:t>
+            </a:r>
+          </a:p>
+          <a:p>
+            <a:r>
+              <a:rPr lang="en-US" b="0" dirty="0">
                 <a:effectLst/>
                 <a:latin typeface="Abadi" panose="020B0604020104020204" pitchFamily="34" charset="0"/>
               </a:rPr>
-              <a:t>Battlecry</a:t>
-            </a:r>
-            <a:r>
-              <a:rPr lang="en-US" sz="1600" b="0" dirty="0">
+              <a:t>to understand the gameplay mechanics, strategic implications, and player preferences associated with different cards in the game</a:t>
+            </a:r>
+          </a:p>
+          <a:p>
+            <a:r>
+              <a:rPr lang="en-US" b="0" dirty="0">
                 <a:effectLst/>
                 <a:latin typeface="Abadi" panose="020B0604020104020204" pitchFamily="34" charset="0"/>
               </a:rPr>
-              <a:t>" effects, activating specific abilities when the card is played onto the board in Hearthstone.</a:t>
-            </a:r>
-          </a:p>
-          <a:p>
-            <a:r>
-              <a:rPr lang="en-US" sz="1600" b="0" dirty="0">
-                <a:effectLst/>
-                <a:latin typeface="Abadi" panose="020B0604020104020204" pitchFamily="34" charset="0"/>
-              </a:rPr>
-              <a:t>Group 2: Describes cards that enhance or modify specific types of creatures or entities in Hearthstone, such as Demons or minions, providing buffs, </a:t>
-            </a:r>
-            <a:r>
-              <a:rPr lang="en-US" sz="1600" b="0" dirty="0" err="1">
-                <a:effectLst/>
-                <a:latin typeface="Abadi" panose="020B0604020104020204" pitchFamily="34" charset="0"/>
-              </a:rPr>
-              <a:t>debuffs</a:t>
-            </a:r>
-            <a:r>
-              <a:rPr lang="en-US" sz="1600" b="0" dirty="0">
-                <a:effectLst/>
-                <a:latin typeface="Abadi" panose="020B0604020104020204" pitchFamily="34" charset="0"/>
-              </a:rPr>
-              <a:t>, or other modifications.</a:t>
-            </a:r>
-          </a:p>
-          <a:p>
-            <a:r>
-              <a:rPr lang="en-US" sz="1600" b="0" dirty="0">
-                <a:effectLst/>
-                <a:latin typeface="Abadi" panose="020B0604020104020204" pitchFamily="34" charset="0"/>
-              </a:rPr>
-              <a:t>Group 3: Involves cards with effects related to drawing cards, reducing costs, or summoning specific entities in Hearthstone, aiding players in deck management and resource utilization.</a:t>
-            </a:r>
-          </a:p>
-          <a:p>
-            <a:r>
-              <a:rPr lang="en-US" sz="1600" b="0" dirty="0">
-                <a:effectLst/>
-                <a:latin typeface="Abadi" panose="020B0604020104020204" pitchFamily="34" charset="0"/>
-              </a:rPr>
-              <a:t>Group 4: Features cards with effects triggered by specific conditions like dealing damage or benefiting from certain actions, offering strategic opportunities during gameplay in Hearthstone.</a:t>
-            </a:r>
-          </a:p>
-          <a:p>
-            <a:r>
-              <a:rPr lang="en-US" sz="1600" b="0" dirty="0">
-                <a:effectLst/>
-                <a:latin typeface="Abadi" panose="020B0604020104020204" pitchFamily="34" charset="0"/>
-              </a:rPr>
-              <a:t>Group 5: Contains cards with effects triggered by specific events or conditions such as opponent actions or friendly minion deaths, allowing players to adapt their strategy based on the evolving game state in Hearthstone.</a:t>
-            </a:r>
-          </a:p>
-        </p:txBody>
-      </p:sp>
-      <p:sp>
-        <p:nvSpPr>
-          <p:cNvPr id="6" name="Content Placeholder 5">
-            <a:extLst>
-              <a:ext uri="{FF2B5EF4-FFF2-40B4-BE49-F238E27FC236}">
-                <a16:creationId xmlns:a16="http://schemas.microsoft.com/office/drawing/2014/main" id="{0D2FAAB6-D7EE-CA6A-41F4-83B1C6D255E0}"/>
-              </a:ext>
-            </a:extLst>
-          </p:cNvPr>
-          <p:cNvSpPr>
-            <a:spLocks noGrp="1"/>
-          </p:cNvSpPr>
-          <p:nvPr>
-            <p:ph sz="half" idx="1"/>
-          </p:nvPr>
-        </p:nvSpPr>
-        <p:spPr>
-          <a:xfrm flipH="1" flipV="1">
-            <a:off x="92364" y="6123305"/>
-            <a:ext cx="745837" cy="369570"/>
-          </a:xfrm>
-        </p:spPr>
-        <p:txBody>
-          <a:bodyPr/>
-          <a:lstStyle/>
+              <a:t>It helps enhance our understanding of Hearthstone gameplay and can inform strategic decision-making for players, game developers, and enthusiasts alike.</a:t>
+            </a:r>
+            <a:endParaRPr lang="en-US" dirty="0">
+              <a:latin typeface="Abadi" panose="020B0604020104020204" pitchFamily="34" charset="0"/>
+            </a:endParaRPr>
+          </a:p>
           <a:p>
             <a:endParaRPr lang="en-US" dirty="0"/>
           </a:p>
@@ -12320,7 +12382,7 @@
     </p:spTree>
     <p:extLst>
       <p:ext uri="{BB962C8B-B14F-4D97-AF65-F5344CB8AC3E}">
-        <p14:creationId xmlns:p14="http://schemas.microsoft.com/office/powerpoint/2010/main" val="729609147"/>
+        <p14:creationId xmlns:p14="http://schemas.microsoft.com/office/powerpoint/2010/main" val="2900152407"/>
       </p:ext>
     </p:extLst>
   </p:cSld>
@@ -12352,7 +12414,7 @@
           <p:cNvPr id="2" name="Title 1">
             <a:extLst>
               <a:ext uri="{FF2B5EF4-FFF2-40B4-BE49-F238E27FC236}">
-                <a16:creationId xmlns:a16="http://schemas.microsoft.com/office/drawing/2014/main" id="{28BAC361-0D7A-DC05-86B5-6DD77D322F5B}"/>
+                <a16:creationId xmlns:a16="http://schemas.microsoft.com/office/drawing/2014/main" id="{314C27C8-165C-5513-DB4B-9D840097C545}"/>
               </a:ext>
             </a:extLst>
           </p:cNvPr>
@@ -12365,64 +12427,29 @@
         </p:nvSpPr>
         <p:spPr>
           <a:xfrm>
-            <a:off x="383876" y="764502"/>
-            <a:ext cx="5315035" cy="5328996"/>
+            <a:off x="838200" y="365125"/>
+            <a:ext cx="10515600" cy="798657"/>
           </a:xfrm>
           <a:noFill/>
         </p:spPr>
         <p:txBody>
-          <a:bodyPr/>
+          <a:bodyPr anchor="ctr"/>
           <a:lstStyle/>
           <a:p>
+            <a:pPr algn="ctr"/>
             <a:r>
               <a:rPr lang="en-US" dirty="0"/>
-              <a:t>Thank you</a:t>
+              <a:t>NLP of cards text</a:t>
             </a:r>
           </a:p>
         </p:txBody>
       </p:sp>
-      <p:pic>
-        <p:nvPicPr>
-          <p:cNvPr id="6" name="Picture 5" descr="A collage of a person with braces&#10;&#10;Description automatically generated">
+      <p:sp>
+        <p:nvSpPr>
+          <p:cNvPr id="4" name="Content Placeholder 3">
             <a:extLst>
               <a:ext uri="{FF2B5EF4-FFF2-40B4-BE49-F238E27FC236}">
-                <a16:creationId xmlns:a16="http://schemas.microsoft.com/office/drawing/2014/main" id="{9A2C3D4E-2BF4-45B0-9F22-A03B07C99797}"/>
-              </a:ext>
-            </a:extLst>
-          </p:cNvPr>
-          <p:cNvPicPr>
-            <a:picLocks noChangeAspect="1"/>
-          </p:cNvPicPr>
-          <p:nvPr/>
-        </p:nvPicPr>
-        <p:blipFill>
-          <a:blip r:embed="rId3">
-            <a:extLst>
-              <a:ext uri="{28A0092B-C50C-407E-A947-70E740481C1C}">
-                <a14:useLocalDpi xmlns:a14="http://schemas.microsoft.com/office/drawing/2010/main" val="0"/>
-              </a:ext>
-            </a:extLst>
-          </a:blip>
-          <a:stretch>
-            <a:fillRect/>
-          </a:stretch>
-        </p:blipFill>
-        <p:spPr>
-          <a:xfrm>
-            <a:off x="6208568" y="1031438"/>
-            <a:ext cx="4762500" cy="4762500"/>
-          </a:xfrm>
-          <a:prstGeom prst="rect">
-            <a:avLst/>
-          </a:prstGeom>
-        </p:spPr>
-      </p:pic>
-      <p:sp>
-        <p:nvSpPr>
-          <p:cNvPr id="8" name="Content Placeholder 7">
-            <a:extLst>
-              <a:ext uri="{FF2B5EF4-FFF2-40B4-BE49-F238E27FC236}">
-                <a16:creationId xmlns:a16="http://schemas.microsoft.com/office/drawing/2014/main" id="{6E634C50-AD5F-51B0-6E59-F7DD3BAA91AD}"/>
+                <a16:creationId xmlns:a16="http://schemas.microsoft.com/office/drawing/2014/main" id="{83302BFD-960F-CBB3-E984-CDC12813A10C}"/>
               </a:ext>
             </a:extLst>
           </p:cNvPr>
@@ -12430,22 +12457,153 @@
             <a:spLocks noGrp="1"/>
           </p:cNvSpPr>
           <p:nvPr>
-            <p:ph idx="1"/>
+            <p:ph sz="half" idx="15"/>
           </p:nvPr>
         </p:nvSpPr>
-        <p:spPr/>
+        <p:spPr>
+          <a:xfrm>
+            <a:off x="1129897" y="1163782"/>
+            <a:ext cx="10186958" cy="4673723"/>
+          </a:xfrm>
+          <a:noFill/>
+        </p:spPr>
         <p:txBody>
-          <a:bodyPr/>
+          <a:bodyPr>
+            <a:noAutofit/>
+          </a:bodyPr>
           <a:lstStyle/>
           <a:p>
-            <a:endParaRPr lang="en-US"/>
+            <a:r>
+              <a:rPr lang="en-US" b="0" dirty="0">
+                <a:effectLst/>
+                <a:latin typeface="Consolas" panose="020B0609020204030204" pitchFamily="49" charset="0"/>
+              </a:rPr>
+              <a:t>Class analysis:</a:t>
+            </a:r>
+          </a:p>
+          <a:p>
+            <a:r>
+              <a:rPr lang="en-US" sz="1600" b="0" dirty="0">
+                <a:effectLst/>
+                <a:latin typeface="Abadi" panose="020B0604020104020204" pitchFamily="34" charset="0"/>
+              </a:rPr>
+              <a:t>Group 0: Card abilities like summoning minions and modifying costs of cards. </a:t>
+            </a:r>
+          </a:p>
+          <a:p>
+            <a:r>
+              <a:rPr lang="en-US" sz="1600" b="0" dirty="0">
+                <a:effectLst/>
+                <a:latin typeface="Abadi" panose="020B0604020104020204" pitchFamily="34" charset="0"/>
+              </a:rPr>
+              <a:t>Group 1: cards with “</a:t>
+            </a:r>
+            <a:r>
+              <a:rPr lang="en-US" sz="1600" b="0" dirty="0" err="1">
+                <a:effectLst/>
+                <a:latin typeface="Abadi" panose="020B0604020104020204" pitchFamily="34" charset="0"/>
+              </a:rPr>
+              <a:t>Battlecry</a:t>
+            </a:r>
+            <a:r>
+              <a:rPr lang="en-US" sz="1600" dirty="0">
+                <a:latin typeface="Abadi" panose="020B0604020104020204" pitchFamily="34" charset="0"/>
+              </a:rPr>
+              <a:t>” in description of the card, activating specific abilities</a:t>
+            </a:r>
+            <a:endParaRPr lang="en-US" sz="1600" b="0" dirty="0">
+              <a:effectLst/>
+              <a:latin typeface="Abadi" panose="020B0604020104020204" pitchFamily="34" charset="0"/>
+            </a:endParaRPr>
+          </a:p>
+          <a:p>
+            <a:r>
+              <a:rPr lang="en-US" sz="1600" b="0" dirty="0">
+                <a:effectLst/>
+                <a:latin typeface="Abadi" panose="020B0604020104020204" pitchFamily="34" charset="0"/>
+              </a:rPr>
+              <a:t>Group 2: cards with demons, </a:t>
+            </a:r>
+            <a:r>
+              <a:rPr lang="en-US" sz="1600" b="0" dirty="0" err="1">
+                <a:effectLst/>
+                <a:latin typeface="Abadi" panose="020B0604020104020204" pitchFamily="34" charset="0"/>
+              </a:rPr>
+              <a:t>debuff</a:t>
+            </a:r>
+            <a:r>
+              <a:rPr lang="en-US" sz="1600" b="0" dirty="0">
+                <a:effectLst/>
+                <a:latin typeface="Abadi" panose="020B0604020104020204" pitchFamily="34" charset="0"/>
+              </a:rPr>
+              <a:t> and buffs.</a:t>
+            </a:r>
+          </a:p>
+          <a:p>
+            <a:r>
+              <a:rPr lang="en-US" sz="1600" b="0" dirty="0">
+                <a:effectLst/>
+                <a:latin typeface="Abadi" panose="020B0604020104020204" pitchFamily="34" charset="0"/>
+              </a:rPr>
+              <a:t>Group 3: cards related to drawing cards, reducing costs, or summoning specific entities.</a:t>
+            </a:r>
+          </a:p>
+          <a:p>
+            <a:r>
+              <a:rPr lang="en-US" sz="1600" b="0" dirty="0">
+                <a:effectLst/>
+                <a:latin typeface="Abadi" panose="020B0604020104020204" pitchFamily="34" charset="0"/>
+              </a:rPr>
+              <a:t>Group 4: cards dealing damage and specific actions.</a:t>
+            </a:r>
+          </a:p>
+          <a:p>
+            <a:r>
+              <a:rPr lang="en-US" sz="1600" b="0" dirty="0">
+                <a:effectLst/>
+                <a:latin typeface="Abadi" panose="020B0604020104020204" pitchFamily="34" charset="0"/>
+              </a:rPr>
+              <a:t>Group 5: Contains cards with effects triggered by specific events or conditions such as opponent actions or friendly minion deaths, allowing players to adapt their strategy based on the evolving game state in Hearthstone.</a:t>
+            </a:r>
+          </a:p>
+        </p:txBody>
+      </p:sp>
+      <p:sp>
+        <p:nvSpPr>
+          <p:cNvPr id="6" name="Content Placeholder 5">
+            <a:extLst>
+              <a:ext uri="{FF2B5EF4-FFF2-40B4-BE49-F238E27FC236}">
+                <a16:creationId xmlns:a16="http://schemas.microsoft.com/office/drawing/2014/main" id="{0D2FAAB6-D7EE-CA6A-41F4-83B1C6D255E0}"/>
+              </a:ext>
+            </a:extLst>
+          </p:cNvPr>
+          <p:cNvSpPr>
+            <a:spLocks noGrp="1"/>
+          </p:cNvSpPr>
+          <p:nvPr>
+            <p:ph sz="half" idx="1"/>
+          </p:nvPr>
+        </p:nvSpPr>
+        <p:spPr>
+          <a:xfrm>
+            <a:off x="-866776" y="5962650"/>
+            <a:ext cx="959139" cy="160655"/>
+          </a:xfrm>
+        </p:spPr>
+        <p:txBody>
+          <a:bodyPr>
+            <a:normAutofit fontScale="32500" lnSpcReduction="20000"/>
+          </a:bodyPr>
+          <a:lstStyle/>
+          <a:p>
+            <a:endParaRPr lang="en-US" dirty="0"/>
           </a:p>
         </p:txBody>
       </p:sp>
     </p:spTree>
     <p:extLst>
       <p:ext uri="{BB962C8B-B14F-4D97-AF65-F5344CB8AC3E}">
-        <p14:creationId xmlns:p14="http://schemas.microsoft.com/office/powerpoint/2010/main" val="1562484837"/>
+        <p14:creationId xmlns:p14="http://schemas.microsoft.com/office/powerpoint/2010/main" val="729609147"/>
       </p:ext>
     </p:extLst>
   </p:cSld>
@@ -13287,6 +13445,15 @@
 </file>
 
 <file path=customXml/item1.xml><?xml version="1.0" encoding="utf-8"?>
+<?mso-contentType ?>
+<FormTemplates xmlns="http://schemas.microsoft.com/sharepoint/v3/contenttype/forms">
+  <Display>DocumentLibraryForm</Display>
+  <Edit>DocumentLibraryForm</Edit>
+  <New>DocumentLibraryForm</New>
+</FormTemplates>
+</file>
+
+<file path=customXml/item2.xml><?xml version="1.0" encoding="utf-8"?>
 <ct:contentTypeSchema xmlns:ct="http://schemas.microsoft.com/office/2006/metadata/contentType" xmlns:ma="http://schemas.microsoft.com/office/2006/metadata/properties/metaAttributes" ct:_="" ma:_="" ma:contentTypeName="Document" ma:contentTypeID="0x01010079F111ED35F8CC479449609E8A0923A6" ma:contentTypeVersion="28" ma:contentTypeDescription="Create a new document." ma:contentTypeScope="" ma:versionID="60f5a4f2d2b0abadcf532d48ebf9cb71">
   <xsd:schema xmlns:xsd="http://www.w3.org/2001/XMLSchema" xmlns:xs="http://www.w3.org/2001/XMLSchema" xmlns:p="http://schemas.microsoft.com/office/2006/metadata/properties" xmlns:ns1="http://schemas.microsoft.com/sharepoint/v3" xmlns:ns2="71af3243-3dd4-4a8d-8c0d-dd76da1f02a5" xmlns:ns3="16c05727-aa75-4e4a-9b5f-8a80a1165891" xmlns:ns4="230e9df3-be65-4c73-a93b-d1236ebd677e" targetNamespace="http://schemas.microsoft.com/office/2006/metadata/properties" ma:root="true" ma:fieldsID="7dd78129e6a1811f84807ad11c651531" ns1:_="" ns2:_="" ns3:_="" ns4:_="">
     <xsd:import namespace="http://schemas.microsoft.com/sharepoint/v3"/>
@@ -13598,15 +13765,6 @@
 </ct:contentTypeSchema>
 </file>
 
-<file path=customXml/item2.xml><?xml version="1.0" encoding="utf-8"?>
-<?mso-contentType ?>
-<FormTemplates xmlns="http://schemas.microsoft.com/sharepoint/v3/contenttype/forms">
-  <Display>DocumentLibraryForm</Display>
-  <Edit>DocumentLibraryForm</Edit>
-  <New>DocumentLibraryForm</New>
-</FormTemplates>
-</file>
-
 <file path=customXml/item3.xml><?xml version="1.0" encoding="utf-8"?>
 <p:properties xmlns:p="http://schemas.microsoft.com/office/2006/metadata/properties" xmlns:xsi="http://www.w3.org/2001/XMLSchema-instance" xmlns:pc="http://schemas.microsoft.com/office/infopath/2007/PartnerControls">
   <documentManagement>
@@ -13628,6 +13786,14 @@
 </file>
 
 <file path=customXml/itemProps1.xml><?xml version="1.0" encoding="utf-8"?>
+<ds:datastoreItem xmlns:ds="http://schemas.openxmlformats.org/officeDocument/2006/customXml" ds:itemID="{4E60708A-6461-4D7F-883F-7E25D731D326}">
+  <ds:schemaRefs>
+    <ds:schemaRef ds:uri="http://schemas.microsoft.com/sharepoint/v3/contenttype/forms"/>
+  </ds:schemaRefs>
+</ds:datastoreItem>
+</file>
+
+<file path=customXml/itemProps2.xml><?xml version="1.0" encoding="utf-8"?>
 <ds:datastoreItem xmlns:ds="http://schemas.openxmlformats.org/officeDocument/2006/customXml" ds:itemID="{2BC90B52-91C7-4BE9-8AE0-180FFFE1100A}">
   <ds:schemaRefs>
     <ds:schemaRef ds:uri="http://schemas.microsoft.com/office/2006/metadata/contentType"/>
@@ -13648,14 +13814,6 @@
 </ds:datastoreItem>
 </file>
 
-<file path=customXml/itemProps2.xml><?xml version="1.0" encoding="utf-8"?>
-<ds:datastoreItem xmlns:ds="http://schemas.openxmlformats.org/officeDocument/2006/customXml" ds:itemID="{4E60708A-6461-4D7F-883F-7E25D731D326}">
-  <ds:schemaRefs>
-    <ds:schemaRef ds:uri="http://schemas.microsoft.com/sharepoint/v3/contenttype/forms"/>
-  </ds:schemaRefs>
-</ds:datastoreItem>
-</file>
-
 <file path=customXml/itemProps3.xml><?xml version="1.0" encoding="utf-8"?>
 <ds:datastoreItem xmlns:ds="http://schemas.openxmlformats.org/officeDocument/2006/customXml" ds:itemID="{E130005B-6102-4F3C-A26F-485DF1BF9717}">
   <ds:schemaRefs>
